--- a/lesson07.pptx
+++ b/lesson07.pptx
@@ -266,7 +266,7 @@
             <a:fld id="{85522811-C5C6-42D2-A409-F8556720C93F}" type="datetimeFigureOut">
               <a:rPr lang="uk-UA" smtClean="0"/>
               <a:pPr/>
-              <a:t>04.10.2020</a:t>
+              <a:t>27.10.2020</a:t>
             </a:fld>
             <a:endParaRPr lang="uk-UA"/>
           </a:p>
@@ -811,7 +811,7 @@
             <a:fld id="{E6FC6B0D-6115-4D7C-8040-9C8E2349BB6E}" type="datetime1">
               <a:rPr lang="uk-UA" smtClean="0"/>
               <a:pPr/>
-              <a:t>04.10.2020</a:t>
+              <a:t>27.10.2020</a:t>
             </a:fld>
             <a:endParaRPr lang="uk-UA"/>
           </a:p>
@@ -978,7 +978,7 @@
             <a:fld id="{996367BA-0A39-4DE2-BFC3-D5290044365E}" type="datetime1">
               <a:rPr lang="uk-UA" smtClean="0"/>
               <a:pPr/>
-              <a:t>04.10.2020</a:t>
+              <a:t>27.10.2020</a:t>
             </a:fld>
             <a:endParaRPr lang="uk-UA"/>
           </a:p>
@@ -1155,7 +1155,7 @@
             <a:fld id="{1BD6A67F-6C29-47DC-AF8A-FDB3C787DF70}" type="datetime1">
               <a:rPr lang="uk-UA" smtClean="0"/>
               <a:pPr/>
-              <a:t>04.10.2020</a:t>
+              <a:t>27.10.2020</a:t>
             </a:fld>
             <a:endParaRPr lang="uk-UA"/>
           </a:p>
@@ -1322,7 +1322,7 @@
             <a:fld id="{1657D9C5-7FF1-434F-B56E-9BAD559744E9}" type="datetime1">
               <a:rPr lang="uk-UA" smtClean="0"/>
               <a:pPr/>
-              <a:t>04.10.2020</a:t>
+              <a:t>27.10.2020</a:t>
             </a:fld>
             <a:endParaRPr lang="uk-UA"/>
           </a:p>
@@ -1565,7 +1565,7 @@
             <a:fld id="{2CEB0FC9-DE63-476B-A1A9-BE934D9049F8}" type="datetime1">
               <a:rPr lang="uk-UA" smtClean="0"/>
               <a:pPr/>
-              <a:t>04.10.2020</a:t>
+              <a:t>27.10.2020</a:t>
             </a:fld>
             <a:endParaRPr lang="uk-UA"/>
           </a:p>
@@ -1850,7 +1850,7 @@
             <a:fld id="{F964460F-86E2-4DF6-9D0F-12F5005CF375}" type="datetime1">
               <a:rPr lang="uk-UA" smtClean="0"/>
               <a:pPr/>
-              <a:t>04.10.2020</a:t>
+              <a:t>27.10.2020</a:t>
             </a:fld>
             <a:endParaRPr lang="uk-UA"/>
           </a:p>
@@ -2269,7 +2269,7 @@
             <a:fld id="{C521715E-DDCD-4267-B0A5-2918B6F6768A}" type="datetime1">
               <a:rPr lang="uk-UA" smtClean="0"/>
               <a:pPr/>
-              <a:t>04.10.2020</a:t>
+              <a:t>27.10.2020</a:t>
             </a:fld>
             <a:endParaRPr lang="uk-UA"/>
           </a:p>
@@ -2384,7 +2384,7 @@
             <a:fld id="{9289842C-EB2D-4EBB-A272-2F6A49D9794D}" type="datetime1">
               <a:rPr lang="uk-UA" smtClean="0"/>
               <a:pPr/>
-              <a:t>04.10.2020</a:t>
+              <a:t>27.10.2020</a:t>
             </a:fld>
             <a:endParaRPr lang="uk-UA"/>
           </a:p>
@@ -2476,7 +2476,7 @@
             <a:fld id="{D036F091-B700-4B52-99AC-85D0FD94D904}" type="datetime1">
               <a:rPr lang="uk-UA" smtClean="0"/>
               <a:pPr/>
-              <a:t>04.10.2020</a:t>
+              <a:t>27.10.2020</a:t>
             </a:fld>
             <a:endParaRPr lang="uk-UA"/>
           </a:p>
@@ -2750,7 +2750,7 @@
             <a:fld id="{B35DFABA-3811-4634-B803-2EAC4CD0063B}" type="datetime1">
               <a:rPr lang="uk-UA" smtClean="0"/>
               <a:pPr/>
-              <a:t>04.10.2020</a:t>
+              <a:t>27.10.2020</a:t>
             </a:fld>
             <a:endParaRPr lang="uk-UA"/>
           </a:p>
@@ -3000,7 +3000,7 @@
             <a:fld id="{8A9EA25E-F88E-463A-A119-D1E55A881002}" type="datetime1">
               <a:rPr lang="uk-UA" smtClean="0"/>
               <a:pPr/>
-              <a:t>04.10.2020</a:t>
+              <a:t>27.10.2020</a:t>
             </a:fld>
             <a:endParaRPr lang="uk-UA"/>
           </a:p>
@@ -3210,7 +3210,7 @@
             <a:fld id="{E708ED03-0080-49A2-B709-7DA4ACB3A1C3}" type="datetime1">
               <a:rPr lang="uk-UA" smtClean="0"/>
               <a:pPr/>
-              <a:t>04.10.2020</a:t>
+              <a:t>27.10.2020</a:t>
             </a:fld>
             <a:endParaRPr lang="uk-UA"/>
           </a:p>
@@ -5939,7 +5939,7 @@
         </p:nvSpPr>
         <p:spPr>
           <a:xfrm>
-            <a:off x="6168008" y="1766426"/>
+            <a:off x="5735960" y="1766426"/>
             <a:ext cx="5184576" cy="1446550"/>
           </a:xfrm>
           <a:prstGeom prst="rect">
@@ -5985,8 +5985,8 @@
         </p:nvSpPr>
         <p:spPr>
           <a:xfrm>
-            <a:off x="6168009" y="3925508"/>
-            <a:ext cx="5519936" cy="1015663"/>
+            <a:off x="5735960" y="3925508"/>
+            <a:ext cx="6120679" cy="800219"/>
           </a:xfrm>
           <a:prstGeom prst="rect">
             <a:avLst/>
@@ -6008,12 +6008,18 @@
               <a:t> </a:t>
             </a:r>
             <a:r>
-              <a:rPr lang="en-US" sz="3200" b="1" dirty="0">
+              <a:rPr lang="en-US" b="1" dirty="0">
                 <a:hlinkClick r:id="rId2"/>
               </a:rPr>
-              <a:t>https://git.io/JU643</a:t>
-            </a:r>
-            <a:endParaRPr lang="uk-UA" sz="3200" b="1" dirty="0"/>
+              <a:t>https://</a:t>
+            </a:r>
+            <a:r>
+              <a:rPr lang="en-US" b="1" dirty="0" smtClean="0">
+                <a:hlinkClick r:id="rId2"/>
+              </a:rPr>
+              <a:t>filebase.xyz/storage/web/flexbox/v1/template.html</a:t>
+            </a:r>
+            <a:endParaRPr lang="uk-UA" sz="1600" b="1" dirty="0"/>
           </a:p>
         </p:txBody>
       </p:sp>

--- a/lesson07.pptx
+++ b/lesson07.pptx
@@ -266,7 +266,7 @@
             <a:fld id="{85522811-C5C6-42D2-A409-F8556720C93F}" type="datetimeFigureOut">
               <a:rPr lang="uk-UA" smtClean="0"/>
               <a:pPr/>
-              <a:t>27.10.2020</a:t>
+              <a:t>29.10.2020</a:t>
             </a:fld>
             <a:endParaRPr lang="uk-UA"/>
           </a:p>
@@ -811,7 +811,7 @@
             <a:fld id="{E6FC6B0D-6115-4D7C-8040-9C8E2349BB6E}" type="datetime1">
               <a:rPr lang="uk-UA" smtClean="0"/>
               <a:pPr/>
-              <a:t>27.10.2020</a:t>
+              <a:t>29.10.2020</a:t>
             </a:fld>
             <a:endParaRPr lang="uk-UA"/>
           </a:p>
@@ -978,7 +978,7 @@
             <a:fld id="{996367BA-0A39-4DE2-BFC3-D5290044365E}" type="datetime1">
               <a:rPr lang="uk-UA" smtClean="0"/>
               <a:pPr/>
-              <a:t>27.10.2020</a:t>
+              <a:t>29.10.2020</a:t>
             </a:fld>
             <a:endParaRPr lang="uk-UA"/>
           </a:p>
@@ -1155,7 +1155,7 @@
             <a:fld id="{1BD6A67F-6C29-47DC-AF8A-FDB3C787DF70}" type="datetime1">
               <a:rPr lang="uk-UA" smtClean="0"/>
               <a:pPr/>
-              <a:t>27.10.2020</a:t>
+              <a:t>29.10.2020</a:t>
             </a:fld>
             <a:endParaRPr lang="uk-UA"/>
           </a:p>
@@ -1322,7 +1322,7 @@
             <a:fld id="{1657D9C5-7FF1-434F-B56E-9BAD559744E9}" type="datetime1">
               <a:rPr lang="uk-UA" smtClean="0"/>
               <a:pPr/>
-              <a:t>27.10.2020</a:t>
+              <a:t>29.10.2020</a:t>
             </a:fld>
             <a:endParaRPr lang="uk-UA"/>
           </a:p>
@@ -1565,7 +1565,7 @@
             <a:fld id="{2CEB0FC9-DE63-476B-A1A9-BE934D9049F8}" type="datetime1">
               <a:rPr lang="uk-UA" smtClean="0"/>
               <a:pPr/>
-              <a:t>27.10.2020</a:t>
+              <a:t>29.10.2020</a:t>
             </a:fld>
             <a:endParaRPr lang="uk-UA"/>
           </a:p>
@@ -1850,7 +1850,7 @@
             <a:fld id="{F964460F-86E2-4DF6-9D0F-12F5005CF375}" type="datetime1">
               <a:rPr lang="uk-UA" smtClean="0"/>
               <a:pPr/>
-              <a:t>27.10.2020</a:t>
+              <a:t>29.10.2020</a:t>
             </a:fld>
             <a:endParaRPr lang="uk-UA"/>
           </a:p>
@@ -2269,7 +2269,7 @@
             <a:fld id="{C521715E-DDCD-4267-B0A5-2918B6F6768A}" type="datetime1">
               <a:rPr lang="uk-UA" smtClean="0"/>
               <a:pPr/>
-              <a:t>27.10.2020</a:t>
+              <a:t>29.10.2020</a:t>
             </a:fld>
             <a:endParaRPr lang="uk-UA"/>
           </a:p>
@@ -2384,7 +2384,7 @@
             <a:fld id="{9289842C-EB2D-4EBB-A272-2F6A49D9794D}" type="datetime1">
               <a:rPr lang="uk-UA" smtClean="0"/>
               <a:pPr/>
-              <a:t>27.10.2020</a:t>
+              <a:t>29.10.2020</a:t>
             </a:fld>
             <a:endParaRPr lang="uk-UA"/>
           </a:p>
@@ -2476,7 +2476,7 @@
             <a:fld id="{D036F091-B700-4B52-99AC-85D0FD94D904}" type="datetime1">
               <a:rPr lang="uk-UA" smtClean="0"/>
               <a:pPr/>
-              <a:t>27.10.2020</a:t>
+              <a:t>29.10.2020</a:t>
             </a:fld>
             <a:endParaRPr lang="uk-UA"/>
           </a:p>
@@ -2750,7 +2750,7 @@
             <a:fld id="{B35DFABA-3811-4634-B803-2EAC4CD0063B}" type="datetime1">
               <a:rPr lang="uk-UA" smtClean="0"/>
               <a:pPr/>
-              <a:t>27.10.2020</a:t>
+              <a:t>29.10.2020</a:t>
             </a:fld>
             <a:endParaRPr lang="uk-UA"/>
           </a:p>
@@ -3000,7 +3000,7 @@
             <a:fld id="{8A9EA25E-F88E-463A-A119-D1E55A881002}" type="datetime1">
               <a:rPr lang="uk-UA" smtClean="0"/>
               <a:pPr/>
-              <a:t>27.10.2020</a:t>
+              <a:t>29.10.2020</a:t>
             </a:fld>
             <a:endParaRPr lang="uk-UA"/>
           </a:p>
@@ -3210,7 +3210,7 @@
             <a:fld id="{E708ED03-0080-49A2-B709-7DA4ACB3A1C3}" type="datetime1">
               <a:rPr lang="uk-UA" smtClean="0"/>
               <a:pPr/>
-              <a:t>27.10.2020</a:t>
+              <a:t>29.10.2020</a:t>
             </a:fld>
             <a:endParaRPr lang="uk-UA"/>
           </a:p>
@@ -5587,8 +5587,8 @@
         </p:nvSpPr>
         <p:spPr>
           <a:xfrm>
-            <a:off x="8256240" y="1524848"/>
-            <a:ext cx="2952328" cy="3785652"/>
+            <a:off x="8184232" y="1741762"/>
+            <a:ext cx="3240360" cy="3046988"/>
           </a:xfrm>
           <a:prstGeom prst="rect">
             <a:avLst/>
@@ -5645,7 +5645,7 @@
         </p:nvSpPr>
         <p:spPr>
           <a:xfrm>
-            <a:off x="0" y="5868561"/>
+            <a:off x="0" y="5652537"/>
             <a:ext cx="12191999" cy="584775"/>
           </a:xfrm>
           <a:prstGeom prst="rect">
@@ -5696,8 +5696,8 @@
         </p:blipFill>
         <p:spPr bwMode="auto">
           <a:xfrm>
-            <a:off x="551384" y="1941510"/>
-            <a:ext cx="7183998" cy="2952328"/>
+            <a:off x="767408" y="1844824"/>
+            <a:ext cx="6912768" cy="2840864"/>
           </a:xfrm>
           <a:prstGeom prst="rect">
             <a:avLst/>
